--- a/doc/awsimple_pubsub_sf_python_1_26.pptx
+++ b/doc/awsimple_pubsub_sf_python_1_26.pptx
@@ -5,13 +5,14 @@
     <p:sldMasterId id="2147483648" r:id="rId1"/>
   </p:sldMasterIdLst>
   <p:notesMasterIdLst>
-    <p:notesMasterId r:id="rId6"/>
+    <p:notesMasterId r:id="rId7"/>
   </p:notesMasterIdLst>
   <p:sldIdLst>
     <p:sldId id="256" r:id="rId2"/>
     <p:sldId id="266" r:id="rId3"/>
-    <p:sldId id="267" r:id="rId4"/>
-    <p:sldId id="265" r:id="rId5"/>
+    <p:sldId id="268" r:id="rId4"/>
+    <p:sldId id="267" r:id="rId5"/>
+    <p:sldId id="265" r:id="rId6"/>
   </p:sldIdLst>
   <p:sldSz cx="12192000" cy="6858000"/>
   <p:notesSz cx="6858000" cy="9144000"/>
@@ -200,7 +201,7 @@
           <a:p>
             <a:fld id="{E3F3C203-C60F-4F58-A893-D058A36AB2D9}" type="datetimeFigureOut">
               <a:rPr lang="en-US" smtClean="0"/>
-              <a:t>1/13/2026</a:t>
+              <a:t>1/14/2026</a:t>
             </a:fld>
             <a:endParaRPr lang="en-US"/>
           </a:p>
@@ -511,10 +512,7 @@
           <a:bodyPr/>
           <a:lstStyle/>
           <a:p>
-            <a:r>
-              <a:rPr lang="en-US" dirty="0"/>
-              <a:t>The user doesn’t have to worry about AWS/boto3 “resource” vs. “client”, but can use these if they need to access specific features AWSimple doesn’t provide</a:t>
-            </a:r>
+            <a:endParaRPr lang="en-US" dirty="0"/>
           </a:p>
         </p:txBody>
       </p:sp>
@@ -545,6 +543,117 @@
     <p:extLst>
       <p:ext uri="{BB962C8B-B14F-4D97-AF65-F5344CB8AC3E}">
         <p14:creationId xmlns:p14="http://schemas.microsoft.com/office/powerpoint/2010/main" val="1014102278"/>
+      </p:ext>
+    </p:extLst>
+  </p:cSld>
+  <p:clrMapOvr>
+    <a:masterClrMapping/>
+  </p:clrMapOvr>
+</p:notes>
+</file>
+
+<file path=ppt/notesSlides/notesSlide2.xml><?xml version="1.0" encoding="utf-8"?>
+<p:notes xmlns:a="http://schemas.openxmlformats.org/drawingml/2006/main" xmlns:r="http://schemas.openxmlformats.org/officeDocument/2006/relationships" xmlns:p="http://schemas.openxmlformats.org/presentationml/2006/main">
+  <p:cSld>
+    <p:spTree>
+      <p:nvGrpSpPr>
+        <p:cNvPr id="1" name="">
+          <a:extLst>
+            <a:ext uri="{FF2B5EF4-FFF2-40B4-BE49-F238E27FC236}">
+              <a16:creationId xmlns:a16="http://schemas.microsoft.com/office/drawing/2014/main" id="{4DA4AE84-B166-F803-C4E2-91A94997767E}"/>
+            </a:ext>
+          </a:extLst>
+        </p:cNvPr>
+        <p:cNvGrpSpPr/>
+        <p:nvPr/>
+      </p:nvGrpSpPr>
+      <p:grpSpPr>
+        <a:xfrm>
+          <a:off x="0" y="0"/>
+          <a:ext cx="0" cy="0"/>
+          <a:chOff x="0" y="0"/>
+          <a:chExt cx="0" cy="0"/>
+        </a:xfrm>
+      </p:grpSpPr>
+      <p:sp>
+        <p:nvSpPr>
+          <p:cNvPr id="2" name="Slide Image Placeholder 1">
+            <a:extLst>
+              <a:ext uri="{FF2B5EF4-FFF2-40B4-BE49-F238E27FC236}">
+                <a16:creationId xmlns:a16="http://schemas.microsoft.com/office/drawing/2014/main" id="{4EFD0227-478C-7646-48C6-7DAEF9A11499}"/>
+              </a:ext>
+            </a:extLst>
+          </p:cNvPr>
+          <p:cNvSpPr>
+            <a:spLocks noGrp="1" noRot="1" noChangeAspect="1"/>
+          </p:cNvSpPr>
+          <p:nvPr>
+            <p:ph type="sldImg"/>
+          </p:nvPr>
+        </p:nvSpPr>
+        <p:spPr/>
+      </p:sp>
+      <p:sp>
+        <p:nvSpPr>
+          <p:cNvPr id="3" name="Notes Placeholder 2">
+            <a:extLst>
+              <a:ext uri="{FF2B5EF4-FFF2-40B4-BE49-F238E27FC236}">
+                <a16:creationId xmlns:a16="http://schemas.microsoft.com/office/drawing/2014/main" id="{F244B54E-D838-BE27-F877-4A238282E9DE}"/>
+              </a:ext>
+            </a:extLst>
+          </p:cNvPr>
+          <p:cNvSpPr>
+            <a:spLocks noGrp="1"/>
+          </p:cNvSpPr>
+          <p:nvPr>
+            <p:ph type="body" idx="1"/>
+          </p:nvPr>
+        </p:nvSpPr>
+        <p:spPr/>
+        <p:txBody>
+          <a:bodyPr/>
+          <a:lstStyle/>
+          <a:p>
+            <a:r>
+              <a:rPr lang="en-US" dirty="0"/>
+              <a:t>Looking at aging out SNS Topics as well.</a:t>
+            </a:r>
+          </a:p>
+        </p:txBody>
+      </p:sp>
+      <p:sp>
+        <p:nvSpPr>
+          <p:cNvPr id="4" name="Slide Number Placeholder 3">
+            <a:extLst>
+              <a:ext uri="{FF2B5EF4-FFF2-40B4-BE49-F238E27FC236}">
+                <a16:creationId xmlns:a16="http://schemas.microsoft.com/office/drawing/2014/main" id="{580D6A4A-6254-CC84-68F2-031FD349B91F}"/>
+              </a:ext>
+            </a:extLst>
+          </p:cNvPr>
+          <p:cNvSpPr>
+            <a:spLocks noGrp="1"/>
+          </p:cNvSpPr>
+          <p:nvPr>
+            <p:ph type="sldNum" sz="quarter" idx="5"/>
+          </p:nvPr>
+        </p:nvSpPr>
+        <p:spPr/>
+        <p:txBody>
+          <a:bodyPr/>
+          <a:lstStyle/>
+          <a:p>
+            <a:fld id="{E5729457-356E-4D5D-B97F-6B0C1CB229E4}" type="slidenum">
+              <a:rPr lang="en-US" smtClean="0"/>
+              <a:t>3</a:t>
+            </a:fld>
+            <a:endParaRPr lang="en-US"/>
+          </a:p>
+        </p:txBody>
+      </p:sp>
+    </p:spTree>
+    <p:extLst>
+      <p:ext uri="{BB962C8B-B14F-4D97-AF65-F5344CB8AC3E}">
+        <p14:creationId xmlns:p14="http://schemas.microsoft.com/office/powerpoint/2010/main" val="976410064"/>
       </p:ext>
     </p:extLst>
   </p:cSld>
@@ -683,7 +792,7 @@
           <a:p>
             <a:fld id="{A7E42F8A-3D39-453B-97B3-448A71AE72F9}" type="datetimeFigureOut">
               <a:rPr lang="en-US" smtClean="0"/>
-              <a:t>1/13/2026</a:t>
+              <a:t>1/14/2026</a:t>
             </a:fld>
             <a:endParaRPr lang="en-US"/>
           </a:p>
@@ -856,7 +965,7 @@
           <a:p>
             <a:fld id="{A7E42F8A-3D39-453B-97B3-448A71AE72F9}" type="datetimeFigureOut">
               <a:rPr lang="en-US" smtClean="0"/>
-              <a:t>1/13/2026</a:t>
+              <a:t>1/14/2026</a:t>
             </a:fld>
             <a:endParaRPr lang="en-US"/>
           </a:p>
@@ -1034,7 +1143,7 @@
           <a:p>
             <a:fld id="{A7E42F8A-3D39-453B-97B3-448A71AE72F9}" type="datetimeFigureOut">
               <a:rPr lang="en-US" smtClean="0"/>
-              <a:t>1/13/2026</a:t>
+              <a:t>1/14/2026</a:t>
             </a:fld>
             <a:endParaRPr lang="en-US"/>
           </a:p>
@@ -1202,7 +1311,7 @@
           <a:p>
             <a:fld id="{A7E42F8A-3D39-453B-97B3-448A71AE72F9}" type="datetimeFigureOut">
               <a:rPr lang="en-US" smtClean="0"/>
-              <a:t>1/13/2026</a:t>
+              <a:t>1/14/2026</a:t>
             </a:fld>
             <a:endParaRPr lang="en-US"/>
           </a:p>
@@ -1452,7 +1561,7 @@
           <a:p>
             <a:fld id="{A7E42F8A-3D39-453B-97B3-448A71AE72F9}" type="datetimeFigureOut">
               <a:rPr lang="en-US" smtClean="0"/>
-              <a:t>1/13/2026</a:t>
+              <a:t>1/14/2026</a:t>
             </a:fld>
             <a:endParaRPr lang="en-US"/>
           </a:p>
@@ -1681,7 +1790,7 @@
           <a:p>
             <a:fld id="{A7E42F8A-3D39-453B-97B3-448A71AE72F9}" type="datetimeFigureOut">
               <a:rPr lang="en-US" smtClean="0"/>
-              <a:t>1/13/2026</a:t>
+              <a:t>1/14/2026</a:t>
             </a:fld>
             <a:endParaRPr lang="en-US"/>
           </a:p>
@@ -2045,7 +2154,7 @@
           <a:p>
             <a:fld id="{A7E42F8A-3D39-453B-97B3-448A71AE72F9}" type="datetimeFigureOut">
               <a:rPr lang="en-US" smtClean="0"/>
-              <a:t>1/13/2026</a:t>
+              <a:t>1/14/2026</a:t>
             </a:fld>
             <a:endParaRPr lang="en-US"/>
           </a:p>
@@ -2162,7 +2271,7 @@
           <a:p>
             <a:fld id="{A7E42F8A-3D39-453B-97B3-448A71AE72F9}" type="datetimeFigureOut">
               <a:rPr lang="en-US" smtClean="0"/>
-              <a:t>1/13/2026</a:t>
+              <a:t>1/14/2026</a:t>
             </a:fld>
             <a:endParaRPr lang="en-US"/>
           </a:p>
@@ -2257,7 +2366,7 @@
           <a:p>
             <a:fld id="{A7E42F8A-3D39-453B-97B3-448A71AE72F9}" type="datetimeFigureOut">
               <a:rPr lang="en-US" smtClean="0"/>
-              <a:t>1/13/2026</a:t>
+              <a:t>1/14/2026</a:t>
             </a:fld>
             <a:endParaRPr lang="en-US"/>
           </a:p>
@@ -2532,7 +2641,7 @@
           <a:p>
             <a:fld id="{A7E42F8A-3D39-453B-97B3-448A71AE72F9}" type="datetimeFigureOut">
               <a:rPr lang="en-US" smtClean="0"/>
-              <a:t>1/13/2026</a:t>
+              <a:t>1/14/2026</a:t>
             </a:fld>
             <a:endParaRPr lang="en-US"/>
           </a:p>
@@ -2784,7 +2893,7 @@
           <a:p>
             <a:fld id="{A7E42F8A-3D39-453B-97B3-448A71AE72F9}" type="datetimeFigureOut">
               <a:rPr lang="en-US" smtClean="0"/>
-              <a:t>1/13/2026</a:t>
+              <a:t>1/14/2026</a:t>
             </a:fld>
             <a:endParaRPr lang="en-US"/>
           </a:p>
@@ -2995,7 +3104,7 @@
           <a:p>
             <a:fld id="{A7E42F8A-3D39-453B-97B3-448A71AE72F9}" type="datetimeFigureOut">
               <a:rPr lang="en-US" smtClean="0"/>
-              <a:t>1/13/2026</a:t>
+              <a:t>1/14/2026</a:t>
             </a:fld>
             <a:endParaRPr lang="en-US"/>
           </a:p>
@@ -3778,6 +3887,250 @@
   <p:cSld>
     <p:spTree>
       <p:nvGrpSpPr>
+        <p:cNvPr id="1" name="">
+          <a:extLst>
+            <a:ext uri="{FF2B5EF4-FFF2-40B4-BE49-F238E27FC236}">
+              <a16:creationId xmlns:a16="http://schemas.microsoft.com/office/drawing/2014/main" id="{1FDA1889-DC3D-4A69-5B9C-10CAB3C79A25}"/>
+            </a:ext>
+          </a:extLst>
+        </p:cNvPr>
+        <p:cNvGrpSpPr/>
+        <p:nvPr/>
+      </p:nvGrpSpPr>
+      <p:grpSpPr>
+        <a:xfrm>
+          <a:off x="0" y="0"/>
+          <a:ext cx="0" cy="0"/>
+          <a:chOff x="0" y="0"/>
+          <a:chExt cx="0" cy="0"/>
+        </a:xfrm>
+      </p:grpSpPr>
+      <p:sp>
+        <p:nvSpPr>
+          <p:cNvPr id="2" name="Title 1">
+            <a:extLst>
+              <a:ext uri="{FF2B5EF4-FFF2-40B4-BE49-F238E27FC236}">
+                <a16:creationId xmlns:a16="http://schemas.microsoft.com/office/drawing/2014/main" id="{737C00F5-2B4B-3426-EB0C-B3B16D11B0E6}"/>
+              </a:ext>
+            </a:extLst>
+          </p:cNvPr>
+          <p:cNvSpPr>
+            <a:spLocks noGrp="1"/>
+          </p:cNvSpPr>
+          <p:nvPr>
+            <p:ph type="title"/>
+          </p:nvPr>
+        </p:nvSpPr>
+        <p:spPr>
+          <a:xfrm>
+            <a:off x="237771" y="214454"/>
+            <a:ext cx="10364139" cy="872743"/>
+          </a:xfrm>
+        </p:spPr>
+        <p:txBody>
+          <a:bodyPr/>
+          <a:lstStyle/>
+          <a:p>
+            <a:r>
+              <a:rPr lang="en-US" dirty="0" err="1"/>
+              <a:t>AWSimple.PubSub</a:t>
+            </a:r>
+            <a:endParaRPr lang="en-US" dirty="0"/>
+          </a:p>
+        </p:txBody>
+      </p:sp>
+      <p:sp>
+        <p:nvSpPr>
+          <p:cNvPr id="3" name="Content Placeholder 2">
+            <a:extLst>
+              <a:ext uri="{FF2B5EF4-FFF2-40B4-BE49-F238E27FC236}">
+                <a16:creationId xmlns:a16="http://schemas.microsoft.com/office/drawing/2014/main" id="{48FC24C8-6C3B-0248-1355-AA4D11D03943}"/>
+              </a:ext>
+            </a:extLst>
+          </p:cNvPr>
+          <p:cNvSpPr>
+            <a:spLocks noGrp="1"/>
+          </p:cNvSpPr>
+          <p:nvPr>
+            <p:ph idx="1"/>
+          </p:nvPr>
+        </p:nvSpPr>
+        <p:spPr>
+          <a:xfrm>
+            <a:off x="684887" y="1219200"/>
+            <a:ext cx="10790483" cy="5183341"/>
+          </a:xfrm>
+        </p:spPr>
+        <p:txBody>
+          <a:bodyPr>
+            <a:normAutofit fontScale="77500" lnSpcReduction="20000"/>
+          </a:bodyPr>
+          <a:lstStyle/>
+          <a:p>
+            <a:r>
+              <a:rPr lang="en-US" sz="3200" dirty="0" err="1"/>
+              <a:t>MxN</a:t>
+            </a:r>
+            <a:r>
+              <a:rPr lang="en-US" sz="3200" dirty="0"/>
+              <a:t> </a:t>
+            </a:r>
+            <a:r>
+              <a:rPr lang="en-US" sz="3200" dirty="0" err="1"/>
+              <a:t>PubSub</a:t>
+            </a:r>
+            <a:endParaRPr lang="en-US" sz="3200" dirty="0"/>
+          </a:p>
+          <a:p>
+            <a:pPr lvl="1"/>
+            <a:r>
+              <a:rPr lang="en-US" sz="2800" dirty="0"/>
+              <a:t>Any number of publishers</a:t>
+            </a:r>
+          </a:p>
+          <a:p>
+            <a:pPr lvl="1"/>
+            <a:r>
+              <a:rPr lang="en-US" sz="2800" dirty="0"/>
+              <a:t>Any number of subscribers</a:t>
+            </a:r>
+          </a:p>
+          <a:p>
+            <a:r>
+              <a:rPr lang="en-US" sz="3200" dirty="0"/>
+              <a:t>User provides a </a:t>
+            </a:r>
+            <a:r>
+              <a:rPr lang="en-US" sz="3200" b="1" dirty="0">
+                <a:latin typeface="Courier New" panose="02070309020205020404" pitchFamily="49" charset="0"/>
+                <a:cs typeface="Courier New" panose="02070309020205020404" pitchFamily="49" charset="0"/>
+              </a:rPr>
+              <a:t>channel</a:t>
+            </a:r>
+            <a:r>
+              <a:rPr lang="en-US" sz="3200" dirty="0"/>
+              <a:t> name (</a:t>
+            </a:r>
+            <a:r>
+              <a:rPr lang="en-US" sz="3200" dirty="0">
+                <a:latin typeface="Courier New" panose="02070309020205020404" pitchFamily="49" charset="0"/>
+                <a:cs typeface="Courier New" panose="02070309020205020404" pitchFamily="49" charset="0"/>
+              </a:rPr>
+              <a:t>str</a:t>
+            </a:r>
+            <a:r>
+              <a:rPr lang="en-US" sz="3200" dirty="0"/>
+              <a:t>) used by publishers (Pub) and subscribers (Sub)</a:t>
+            </a:r>
+          </a:p>
+          <a:p>
+            <a:r>
+              <a:rPr lang="en-US" sz="3200" dirty="0"/>
+              <a:t>Automatically connects SNS </a:t>
+            </a:r>
+            <a:r>
+              <a:rPr lang="en-US" sz="3200" dirty="0">
+                <a:sym typeface="Wingdings" panose="05000000000000000000" pitchFamily="2" charset="2"/>
+              </a:rPr>
+              <a:t> SQS in AWS</a:t>
+            </a:r>
+          </a:p>
+          <a:p>
+            <a:pPr lvl="1"/>
+            <a:r>
+              <a:rPr lang="en-US" sz="2800" dirty="0">
+                <a:sym typeface="Wingdings" panose="05000000000000000000" pitchFamily="2" charset="2"/>
+              </a:rPr>
+              <a:t>One Topic, one or more Queues, per </a:t>
+            </a:r>
+            <a:r>
+              <a:rPr lang="en-US" sz="2800" b="1" dirty="0">
+                <a:latin typeface="Courier New" panose="02070309020205020404" pitchFamily="49" charset="0"/>
+                <a:cs typeface="Courier New" panose="02070309020205020404" pitchFamily="49" charset="0"/>
+                <a:sym typeface="Wingdings" panose="05000000000000000000" pitchFamily="2" charset="2"/>
+              </a:rPr>
+              <a:t>channel</a:t>
+            </a:r>
+          </a:p>
+          <a:p>
+            <a:pPr lvl="1"/>
+            <a:r>
+              <a:rPr lang="en-US" sz="2800" dirty="0">
+                <a:sym typeface="Wingdings" panose="05000000000000000000" pitchFamily="2" charset="2"/>
+              </a:rPr>
+              <a:t>SNS Topic and SQS Queue names are based on channel name, but created to not collide with other existing Topics and Queue</a:t>
+            </a:r>
+          </a:p>
+          <a:p>
+            <a:r>
+              <a:rPr lang="en-US" sz="3200" dirty="0">
+                <a:sym typeface="Wingdings" panose="05000000000000000000" pitchFamily="2" charset="2"/>
+              </a:rPr>
+              <a:t>Unused Queues are aged out</a:t>
+            </a:r>
+          </a:p>
+          <a:p>
+            <a:pPr lvl="1"/>
+            <a:r>
+              <a:rPr lang="en-US" sz="2800" dirty="0">
+                <a:sym typeface="Wingdings" panose="05000000000000000000" pitchFamily="2" charset="2"/>
+              </a:rPr>
+              <a:t>SQS Queues deleted after 30 days of unuse</a:t>
+            </a:r>
+          </a:p>
+          <a:p>
+            <a:pPr lvl="1"/>
+            <a:r>
+              <a:rPr lang="en-US" sz="2800" dirty="0">
+                <a:sym typeface="Wingdings" panose="05000000000000000000" pitchFamily="2" charset="2"/>
+              </a:rPr>
+              <a:t>Automatically re-created if used again</a:t>
+            </a:r>
+          </a:p>
+          <a:p>
+            <a:r>
+              <a:rPr lang="en-US" sz="3200" dirty="0">
+                <a:sym typeface="Wingdings" panose="05000000000000000000" pitchFamily="2" charset="2"/>
+              </a:rPr>
+              <a:t>Both run on Threads for responsiveness</a:t>
+            </a:r>
+          </a:p>
+          <a:p>
+            <a:r>
+              <a:rPr lang="en-US" sz="3200" dirty="0">
+                <a:sym typeface="Wingdings" panose="05000000000000000000" pitchFamily="2" charset="2"/>
+              </a:rPr>
+              <a:t>Scales to Zero</a:t>
+            </a:r>
+          </a:p>
+          <a:p>
+            <a:r>
+              <a:rPr lang="en-US" sz="3200" dirty="0">
+                <a:sym typeface="Wingdings" panose="05000000000000000000" pitchFamily="2" charset="2"/>
+              </a:rPr>
+              <a:t>Sub “Long Poll” on SQS</a:t>
+            </a:r>
+          </a:p>
+        </p:txBody>
+      </p:sp>
+    </p:spTree>
+    <p:extLst>
+      <p:ext uri="{BB962C8B-B14F-4D97-AF65-F5344CB8AC3E}">
+        <p14:creationId xmlns:p14="http://schemas.microsoft.com/office/powerpoint/2010/main" val="2231674973"/>
+      </p:ext>
+    </p:extLst>
+  </p:cSld>
+  <p:clrMapOvr>
+    <a:masterClrMapping/>
+  </p:clrMapOvr>
+</p:sld>
+</file>
+
+<file path=ppt/slides/slide4.xml><?xml version="1.0" encoding="utf-8"?>
+<p:sld xmlns:a="http://schemas.openxmlformats.org/drawingml/2006/main" xmlns:r="http://schemas.openxmlformats.org/officeDocument/2006/relationships" xmlns:p="http://schemas.openxmlformats.org/presentationml/2006/main">
+  <p:cSld>
+    <p:spTree>
+      <p:nvGrpSpPr>
         <p:cNvPr id="1" name=""/>
         <p:cNvGrpSpPr/>
         <p:nvPr/>
@@ -4382,7 +4735,7 @@
         </p:nvSpPr>
         <p:spPr>
           <a:xfrm>
-            <a:off x="10701992" y="3671778"/>
+            <a:off x="10332044" y="3741580"/>
             <a:ext cx="859531" cy="584775"/>
           </a:xfrm>
           <a:prstGeom prst="rect">
@@ -4417,7 +4770,7 @@
 </p:sld>
 </file>
 
-<file path=ppt/slides/slide4.xml><?xml version="1.0" encoding="utf-8"?>
+<file path=ppt/slides/slide5.xml><?xml version="1.0" encoding="utf-8"?>
 <p:sld xmlns:a="http://schemas.openxmlformats.org/drawingml/2006/main" xmlns:r="http://schemas.openxmlformats.org/officeDocument/2006/relationships" xmlns:p="http://schemas.openxmlformats.org/presentationml/2006/main">
   <p:cSld>
     <p:spTree>
